--- a/Work_David/Home_Value_and_Income.pptx
+++ b/Work_David/Home_Value_and_Income.pptx
@@ -138,7 +138,7 @@
           <p:cNvPr id="2" name="Title 1">
             <a:extLst>
               <a:ext uri="{FF2B5EF4-FFF2-40B4-BE49-F238E27FC236}">
-                <a16:creationId xmlns:a16="http://schemas.microsoft.com/office/drawing/2014/main" xmlns="" id="{ED7A78DA-9798-3AAB-A9A0-D1F737ACD500}"/>
+                <a16:creationId xmlns="" xmlns:a16="http://schemas.microsoft.com/office/drawing/2014/main" id="{ED7A78DA-9798-3AAB-A9A0-D1F737ACD500}"/>
               </a:ext>
             </a:extLst>
           </p:cNvPr>
@@ -175,7 +175,7 @@
           <p:cNvPr id="3" name="Subtitle 2">
             <a:extLst>
               <a:ext uri="{FF2B5EF4-FFF2-40B4-BE49-F238E27FC236}">
-                <a16:creationId xmlns:a16="http://schemas.microsoft.com/office/drawing/2014/main" xmlns="" id="{31C20FDC-E6AB-63D1-3116-7D7F74D06608}"/>
+                <a16:creationId xmlns="" xmlns:a16="http://schemas.microsoft.com/office/drawing/2014/main" id="{31C20FDC-E6AB-63D1-3116-7D7F74D06608}"/>
               </a:ext>
             </a:extLst>
           </p:cNvPr>
@@ -245,7 +245,7 @@
           <p:cNvPr id="4" name="Date Placeholder 3">
             <a:extLst>
               <a:ext uri="{FF2B5EF4-FFF2-40B4-BE49-F238E27FC236}">
-                <a16:creationId xmlns:a16="http://schemas.microsoft.com/office/drawing/2014/main" xmlns="" id="{D211EE1A-4BA1-E646-6367-CC1DC5262852}"/>
+                <a16:creationId xmlns="" xmlns:a16="http://schemas.microsoft.com/office/drawing/2014/main" id="{D211EE1A-4BA1-E646-6367-CC1DC5262852}"/>
               </a:ext>
             </a:extLst>
           </p:cNvPr>
@@ -263,7 +263,7 @@
           <a:p>
             <a:fld id="{CFB1DFE4-56D5-AF42-9E0E-A54011945973}" type="datetimeFigureOut">
               <a:rPr lang="en-US" smtClean="0"/>
-              <a:t>11/18/2024</a:t>
+              <a:t>11/19/2024</a:t>
             </a:fld>
             <a:endParaRPr lang="en-US"/>
           </a:p>
@@ -274,7 +274,7 @@
           <p:cNvPr id="5" name="Footer Placeholder 4">
             <a:extLst>
               <a:ext uri="{FF2B5EF4-FFF2-40B4-BE49-F238E27FC236}">
-                <a16:creationId xmlns:a16="http://schemas.microsoft.com/office/drawing/2014/main" xmlns="" id="{522F759D-3D16-DDD0-5097-40EC31C90323}"/>
+                <a16:creationId xmlns="" xmlns:a16="http://schemas.microsoft.com/office/drawing/2014/main" id="{522F759D-3D16-DDD0-5097-40EC31C90323}"/>
               </a:ext>
             </a:extLst>
           </p:cNvPr>
@@ -299,7 +299,7 @@
           <p:cNvPr id="6" name="Slide Number Placeholder 5">
             <a:extLst>
               <a:ext uri="{FF2B5EF4-FFF2-40B4-BE49-F238E27FC236}">
-                <a16:creationId xmlns:a16="http://schemas.microsoft.com/office/drawing/2014/main" xmlns="" id="{D4003F0D-0452-A24D-8BBF-7A73F45DEBB2}"/>
+                <a16:creationId xmlns="" xmlns:a16="http://schemas.microsoft.com/office/drawing/2014/main" id="{D4003F0D-0452-A24D-8BBF-7A73F45DEBB2}"/>
               </a:ext>
             </a:extLst>
           </p:cNvPr>
@@ -358,7 +358,7 @@
           <p:cNvPr id="2" name="Title 1">
             <a:extLst>
               <a:ext uri="{FF2B5EF4-FFF2-40B4-BE49-F238E27FC236}">
-                <a16:creationId xmlns:a16="http://schemas.microsoft.com/office/drawing/2014/main" xmlns="" id="{72D7A936-E716-6091-3598-9E95F65D88C3}"/>
+                <a16:creationId xmlns="" xmlns:a16="http://schemas.microsoft.com/office/drawing/2014/main" id="{72D7A936-E716-6091-3598-9E95F65D88C3}"/>
               </a:ext>
             </a:extLst>
           </p:cNvPr>
@@ -386,7 +386,7 @@
           <p:cNvPr id="3" name="Vertical Text Placeholder 2">
             <a:extLst>
               <a:ext uri="{FF2B5EF4-FFF2-40B4-BE49-F238E27FC236}">
-                <a16:creationId xmlns:a16="http://schemas.microsoft.com/office/drawing/2014/main" xmlns="" id="{5A12B60F-A10F-75F1-242F-271216965032}"/>
+                <a16:creationId xmlns="" xmlns:a16="http://schemas.microsoft.com/office/drawing/2014/main" id="{5A12B60F-A10F-75F1-242F-271216965032}"/>
               </a:ext>
             </a:extLst>
           </p:cNvPr>
@@ -443,7 +443,7 @@
           <p:cNvPr id="4" name="Date Placeholder 3">
             <a:extLst>
               <a:ext uri="{FF2B5EF4-FFF2-40B4-BE49-F238E27FC236}">
-                <a16:creationId xmlns:a16="http://schemas.microsoft.com/office/drawing/2014/main" xmlns="" id="{038829F3-432D-BAA5-ED79-4B4EC60A994D}"/>
+                <a16:creationId xmlns="" xmlns:a16="http://schemas.microsoft.com/office/drawing/2014/main" id="{038829F3-432D-BAA5-ED79-4B4EC60A994D}"/>
               </a:ext>
             </a:extLst>
           </p:cNvPr>
@@ -461,7 +461,7 @@
           <a:p>
             <a:fld id="{CFB1DFE4-56D5-AF42-9E0E-A54011945973}" type="datetimeFigureOut">
               <a:rPr lang="en-US" smtClean="0"/>
-              <a:t>11/18/2024</a:t>
+              <a:t>11/19/2024</a:t>
             </a:fld>
             <a:endParaRPr lang="en-US"/>
           </a:p>
@@ -472,7 +472,7 @@
           <p:cNvPr id="5" name="Footer Placeholder 4">
             <a:extLst>
               <a:ext uri="{FF2B5EF4-FFF2-40B4-BE49-F238E27FC236}">
-                <a16:creationId xmlns:a16="http://schemas.microsoft.com/office/drawing/2014/main" xmlns="" id="{CCCF3E8F-F045-8884-B0D0-0A2972B84BEF}"/>
+                <a16:creationId xmlns="" xmlns:a16="http://schemas.microsoft.com/office/drawing/2014/main" id="{CCCF3E8F-F045-8884-B0D0-0A2972B84BEF}"/>
               </a:ext>
             </a:extLst>
           </p:cNvPr>
@@ -497,7 +497,7 @@
           <p:cNvPr id="6" name="Slide Number Placeholder 5">
             <a:extLst>
               <a:ext uri="{FF2B5EF4-FFF2-40B4-BE49-F238E27FC236}">
-                <a16:creationId xmlns:a16="http://schemas.microsoft.com/office/drawing/2014/main" xmlns="" id="{E0CBD687-796C-CC0B-2394-65C6493EC89E}"/>
+                <a16:creationId xmlns="" xmlns:a16="http://schemas.microsoft.com/office/drawing/2014/main" id="{E0CBD687-796C-CC0B-2394-65C6493EC89E}"/>
               </a:ext>
             </a:extLst>
           </p:cNvPr>
@@ -556,7 +556,7 @@
           <p:cNvPr id="2" name="Vertical Title 1">
             <a:extLst>
               <a:ext uri="{FF2B5EF4-FFF2-40B4-BE49-F238E27FC236}">
-                <a16:creationId xmlns:a16="http://schemas.microsoft.com/office/drawing/2014/main" xmlns="" id="{A6146F90-46CC-A5F6-EF9E-6C2CFF92BE0C}"/>
+                <a16:creationId xmlns="" xmlns:a16="http://schemas.microsoft.com/office/drawing/2014/main" id="{A6146F90-46CC-A5F6-EF9E-6C2CFF92BE0C}"/>
               </a:ext>
             </a:extLst>
           </p:cNvPr>
@@ -589,7 +589,7 @@
           <p:cNvPr id="3" name="Vertical Text Placeholder 2">
             <a:extLst>
               <a:ext uri="{FF2B5EF4-FFF2-40B4-BE49-F238E27FC236}">
-                <a16:creationId xmlns:a16="http://schemas.microsoft.com/office/drawing/2014/main" xmlns="" id="{7E1C779B-D976-ED47-73C4-AA63D1B12F9C}"/>
+                <a16:creationId xmlns="" xmlns:a16="http://schemas.microsoft.com/office/drawing/2014/main" id="{7E1C779B-D976-ED47-73C4-AA63D1B12F9C}"/>
               </a:ext>
             </a:extLst>
           </p:cNvPr>
@@ -651,7 +651,7 @@
           <p:cNvPr id="4" name="Date Placeholder 3">
             <a:extLst>
               <a:ext uri="{FF2B5EF4-FFF2-40B4-BE49-F238E27FC236}">
-                <a16:creationId xmlns:a16="http://schemas.microsoft.com/office/drawing/2014/main" xmlns="" id="{4B585F05-6D97-E428-F9B3-0C6DDC186CA3}"/>
+                <a16:creationId xmlns="" xmlns:a16="http://schemas.microsoft.com/office/drawing/2014/main" id="{4B585F05-6D97-E428-F9B3-0C6DDC186CA3}"/>
               </a:ext>
             </a:extLst>
           </p:cNvPr>
@@ -669,7 +669,7 @@
           <a:p>
             <a:fld id="{CFB1DFE4-56D5-AF42-9E0E-A54011945973}" type="datetimeFigureOut">
               <a:rPr lang="en-US" smtClean="0"/>
-              <a:t>11/18/2024</a:t>
+              <a:t>11/19/2024</a:t>
             </a:fld>
             <a:endParaRPr lang="en-US"/>
           </a:p>
@@ -680,7 +680,7 @@
           <p:cNvPr id="5" name="Footer Placeholder 4">
             <a:extLst>
               <a:ext uri="{FF2B5EF4-FFF2-40B4-BE49-F238E27FC236}">
-                <a16:creationId xmlns:a16="http://schemas.microsoft.com/office/drawing/2014/main" xmlns="" id="{7A5C09DB-C990-D91D-3A5A-ACBF4918F95A}"/>
+                <a16:creationId xmlns="" xmlns:a16="http://schemas.microsoft.com/office/drawing/2014/main" id="{7A5C09DB-C990-D91D-3A5A-ACBF4918F95A}"/>
               </a:ext>
             </a:extLst>
           </p:cNvPr>
@@ -705,7 +705,7 @@
           <p:cNvPr id="6" name="Slide Number Placeholder 5">
             <a:extLst>
               <a:ext uri="{FF2B5EF4-FFF2-40B4-BE49-F238E27FC236}">
-                <a16:creationId xmlns:a16="http://schemas.microsoft.com/office/drawing/2014/main" xmlns="" id="{4A9FCB33-AA3E-1F4A-6283-9E47A2BCEEA2}"/>
+                <a16:creationId xmlns="" xmlns:a16="http://schemas.microsoft.com/office/drawing/2014/main" id="{4A9FCB33-AA3E-1F4A-6283-9E47A2BCEEA2}"/>
               </a:ext>
             </a:extLst>
           </p:cNvPr>
@@ -764,7 +764,7 @@
           <p:cNvPr id="2" name="Title 1">
             <a:extLst>
               <a:ext uri="{FF2B5EF4-FFF2-40B4-BE49-F238E27FC236}">
-                <a16:creationId xmlns:a16="http://schemas.microsoft.com/office/drawing/2014/main" xmlns="" id="{EFEBD9EF-DC51-E54D-D9C8-E286C2AE7056}"/>
+                <a16:creationId xmlns="" xmlns:a16="http://schemas.microsoft.com/office/drawing/2014/main" id="{EFEBD9EF-DC51-E54D-D9C8-E286C2AE7056}"/>
               </a:ext>
             </a:extLst>
           </p:cNvPr>
@@ -792,7 +792,7 @@
           <p:cNvPr id="3" name="Content Placeholder 2">
             <a:extLst>
               <a:ext uri="{FF2B5EF4-FFF2-40B4-BE49-F238E27FC236}">
-                <a16:creationId xmlns:a16="http://schemas.microsoft.com/office/drawing/2014/main" xmlns="" id="{2C3E6798-A369-C568-6716-E97797A69D49}"/>
+                <a16:creationId xmlns="" xmlns:a16="http://schemas.microsoft.com/office/drawing/2014/main" id="{2C3E6798-A369-C568-6716-E97797A69D49}"/>
               </a:ext>
             </a:extLst>
           </p:cNvPr>
@@ -849,7 +849,7 @@
           <p:cNvPr id="4" name="Date Placeholder 3">
             <a:extLst>
               <a:ext uri="{FF2B5EF4-FFF2-40B4-BE49-F238E27FC236}">
-                <a16:creationId xmlns:a16="http://schemas.microsoft.com/office/drawing/2014/main" xmlns="" id="{32CF73BE-5173-9897-88A4-3995FA74E0F2}"/>
+                <a16:creationId xmlns="" xmlns:a16="http://schemas.microsoft.com/office/drawing/2014/main" id="{32CF73BE-5173-9897-88A4-3995FA74E0F2}"/>
               </a:ext>
             </a:extLst>
           </p:cNvPr>
@@ -867,7 +867,7 @@
           <a:p>
             <a:fld id="{CFB1DFE4-56D5-AF42-9E0E-A54011945973}" type="datetimeFigureOut">
               <a:rPr lang="en-US" smtClean="0"/>
-              <a:t>11/18/2024</a:t>
+              <a:t>11/19/2024</a:t>
             </a:fld>
             <a:endParaRPr lang="en-US"/>
           </a:p>
@@ -878,7 +878,7 @@
           <p:cNvPr id="5" name="Footer Placeholder 4">
             <a:extLst>
               <a:ext uri="{FF2B5EF4-FFF2-40B4-BE49-F238E27FC236}">
-                <a16:creationId xmlns:a16="http://schemas.microsoft.com/office/drawing/2014/main" xmlns="" id="{39850C55-0B38-FAEF-CA74-C39A406D4519}"/>
+                <a16:creationId xmlns="" xmlns:a16="http://schemas.microsoft.com/office/drawing/2014/main" id="{39850C55-0B38-FAEF-CA74-C39A406D4519}"/>
               </a:ext>
             </a:extLst>
           </p:cNvPr>
@@ -903,7 +903,7 @@
           <p:cNvPr id="6" name="Slide Number Placeholder 5">
             <a:extLst>
               <a:ext uri="{FF2B5EF4-FFF2-40B4-BE49-F238E27FC236}">
-                <a16:creationId xmlns:a16="http://schemas.microsoft.com/office/drawing/2014/main" xmlns="" id="{5E2A69D3-F114-5486-D180-2D06D5CB1C97}"/>
+                <a16:creationId xmlns="" xmlns:a16="http://schemas.microsoft.com/office/drawing/2014/main" id="{5E2A69D3-F114-5486-D180-2D06D5CB1C97}"/>
               </a:ext>
             </a:extLst>
           </p:cNvPr>
@@ -962,7 +962,7 @@
           <p:cNvPr id="2" name="Title 1">
             <a:extLst>
               <a:ext uri="{FF2B5EF4-FFF2-40B4-BE49-F238E27FC236}">
-                <a16:creationId xmlns:a16="http://schemas.microsoft.com/office/drawing/2014/main" xmlns="" id="{12F0F9F8-E9B6-E31A-4266-4DB6EB971284}"/>
+                <a16:creationId xmlns="" xmlns:a16="http://schemas.microsoft.com/office/drawing/2014/main" id="{12F0F9F8-E9B6-E31A-4266-4DB6EB971284}"/>
               </a:ext>
             </a:extLst>
           </p:cNvPr>
@@ -999,7 +999,7 @@
           <p:cNvPr id="3" name="Text Placeholder 2">
             <a:extLst>
               <a:ext uri="{FF2B5EF4-FFF2-40B4-BE49-F238E27FC236}">
-                <a16:creationId xmlns:a16="http://schemas.microsoft.com/office/drawing/2014/main" xmlns="" id="{9E2DF220-A526-61C9-7DFF-E621E775FC3D}"/>
+                <a16:creationId xmlns="" xmlns:a16="http://schemas.microsoft.com/office/drawing/2014/main" id="{9E2DF220-A526-61C9-7DFF-E621E775FC3D}"/>
               </a:ext>
             </a:extLst>
           </p:cNvPr>
@@ -1124,7 +1124,7 @@
           <p:cNvPr id="4" name="Date Placeholder 3">
             <a:extLst>
               <a:ext uri="{FF2B5EF4-FFF2-40B4-BE49-F238E27FC236}">
-                <a16:creationId xmlns:a16="http://schemas.microsoft.com/office/drawing/2014/main" xmlns="" id="{25A98408-57D4-9410-2142-908B03D488AF}"/>
+                <a16:creationId xmlns="" xmlns:a16="http://schemas.microsoft.com/office/drawing/2014/main" id="{25A98408-57D4-9410-2142-908B03D488AF}"/>
               </a:ext>
             </a:extLst>
           </p:cNvPr>
@@ -1142,7 +1142,7 @@
           <a:p>
             <a:fld id="{CFB1DFE4-56D5-AF42-9E0E-A54011945973}" type="datetimeFigureOut">
               <a:rPr lang="en-US" smtClean="0"/>
-              <a:t>11/18/2024</a:t>
+              <a:t>11/19/2024</a:t>
             </a:fld>
             <a:endParaRPr lang="en-US"/>
           </a:p>
@@ -1153,7 +1153,7 @@
           <p:cNvPr id="5" name="Footer Placeholder 4">
             <a:extLst>
               <a:ext uri="{FF2B5EF4-FFF2-40B4-BE49-F238E27FC236}">
-                <a16:creationId xmlns:a16="http://schemas.microsoft.com/office/drawing/2014/main" xmlns="" id="{CB73959A-882B-83A9-AA6F-18F058036867}"/>
+                <a16:creationId xmlns="" xmlns:a16="http://schemas.microsoft.com/office/drawing/2014/main" id="{CB73959A-882B-83A9-AA6F-18F058036867}"/>
               </a:ext>
             </a:extLst>
           </p:cNvPr>
@@ -1178,7 +1178,7 @@
           <p:cNvPr id="6" name="Slide Number Placeholder 5">
             <a:extLst>
               <a:ext uri="{FF2B5EF4-FFF2-40B4-BE49-F238E27FC236}">
-                <a16:creationId xmlns:a16="http://schemas.microsoft.com/office/drawing/2014/main" xmlns="" id="{97F8E6F5-9368-EFD9-36E5-49005A4659EB}"/>
+                <a16:creationId xmlns="" xmlns:a16="http://schemas.microsoft.com/office/drawing/2014/main" id="{97F8E6F5-9368-EFD9-36E5-49005A4659EB}"/>
               </a:ext>
             </a:extLst>
           </p:cNvPr>
@@ -1237,7 +1237,7 @@
           <p:cNvPr id="2" name="Title 1">
             <a:extLst>
               <a:ext uri="{FF2B5EF4-FFF2-40B4-BE49-F238E27FC236}">
-                <a16:creationId xmlns:a16="http://schemas.microsoft.com/office/drawing/2014/main" xmlns="" id="{58921882-C651-1464-A618-FC06234128CE}"/>
+                <a16:creationId xmlns="" xmlns:a16="http://schemas.microsoft.com/office/drawing/2014/main" id="{58921882-C651-1464-A618-FC06234128CE}"/>
               </a:ext>
             </a:extLst>
           </p:cNvPr>
@@ -1265,7 +1265,7 @@
           <p:cNvPr id="3" name="Content Placeholder 2">
             <a:extLst>
               <a:ext uri="{FF2B5EF4-FFF2-40B4-BE49-F238E27FC236}">
-                <a16:creationId xmlns:a16="http://schemas.microsoft.com/office/drawing/2014/main" xmlns="" id="{8BEC6494-19C5-449C-6420-56B3E168C6D1}"/>
+                <a16:creationId xmlns="" xmlns:a16="http://schemas.microsoft.com/office/drawing/2014/main" id="{8BEC6494-19C5-449C-6420-56B3E168C6D1}"/>
               </a:ext>
             </a:extLst>
           </p:cNvPr>
@@ -1327,7 +1327,7 @@
           <p:cNvPr id="4" name="Content Placeholder 3">
             <a:extLst>
               <a:ext uri="{FF2B5EF4-FFF2-40B4-BE49-F238E27FC236}">
-                <a16:creationId xmlns:a16="http://schemas.microsoft.com/office/drawing/2014/main" xmlns="" id="{C6CA3426-3E4B-B685-8646-ED1A2E64EC13}"/>
+                <a16:creationId xmlns="" xmlns:a16="http://schemas.microsoft.com/office/drawing/2014/main" id="{C6CA3426-3E4B-B685-8646-ED1A2E64EC13}"/>
               </a:ext>
             </a:extLst>
           </p:cNvPr>
@@ -1389,7 +1389,7 @@
           <p:cNvPr id="5" name="Date Placeholder 4">
             <a:extLst>
               <a:ext uri="{FF2B5EF4-FFF2-40B4-BE49-F238E27FC236}">
-                <a16:creationId xmlns:a16="http://schemas.microsoft.com/office/drawing/2014/main" xmlns="" id="{AA317E7D-F3F5-8EC5-AE04-CAEF54A76D20}"/>
+                <a16:creationId xmlns="" xmlns:a16="http://schemas.microsoft.com/office/drawing/2014/main" id="{AA317E7D-F3F5-8EC5-AE04-CAEF54A76D20}"/>
               </a:ext>
             </a:extLst>
           </p:cNvPr>
@@ -1407,7 +1407,7 @@
           <a:p>
             <a:fld id="{CFB1DFE4-56D5-AF42-9E0E-A54011945973}" type="datetimeFigureOut">
               <a:rPr lang="en-US" smtClean="0"/>
-              <a:t>11/18/2024</a:t>
+              <a:t>11/19/2024</a:t>
             </a:fld>
             <a:endParaRPr lang="en-US"/>
           </a:p>
@@ -1418,7 +1418,7 @@
           <p:cNvPr id="6" name="Footer Placeholder 5">
             <a:extLst>
               <a:ext uri="{FF2B5EF4-FFF2-40B4-BE49-F238E27FC236}">
-                <a16:creationId xmlns:a16="http://schemas.microsoft.com/office/drawing/2014/main" xmlns="" id="{721AC0E1-9FBA-FCC5-B997-49A6089BF640}"/>
+                <a16:creationId xmlns="" xmlns:a16="http://schemas.microsoft.com/office/drawing/2014/main" id="{721AC0E1-9FBA-FCC5-B997-49A6089BF640}"/>
               </a:ext>
             </a:extLst>
           </p:cNvPr>
@@ -1443,7 +1443,7 @@
           <p:cNvPr id="7" name="Slide Number Placeholder 6">
             <a:extLst>
               <a:ext uri="{FF2B5EF4-FFF2-40B4-BE49-F238E27FC236}">
-                <a16:creationId xmlns:a16="http://schemas.microsoft.com/office/drawing/2014/main" xmlns="" id="{18DB5176-8881-F953-8553-574EF56BB657}"/>
+                <a16:creationId xmlns="" xmlns:a16="http://schemas.microsoft.com/office/drawing/2014/main" id="{18DB5176-8881-F953-8553-574EF56BB657}"/>
               </a:ext>
             </a:extLst>
           </p:cNvPr>
@@ -1502,7 +1502,7 @@
           <p:cNvPr id="2" name="Title 1">
             <a:extLst>
               <a:ext uri="{FF2B5EF4-FFF2-40B4-BE49-F238E27FC236}">
-                <a16:creationId xmlns:a16="http://schemas.microsoft.com/office/drawing/2014/main" xmlns="" id="{91B57B97-33E6-9B13-0012-B6D0509885E4}"/>
+                <a16:creationId xmlns="" xmlns:a16="http://schemas.microsoft.com/office/drawing/2014/main" id="{91B57B97-33E6-9B13-0012-B6D0509885E4}"/>
               </a:ext>
             </a:extLst>
           </p:cNvPr>
@@ -1535,7 +1535,7 @@
           <p:cNvPr id="3" name="Text Placeholder 2">
             <a:extLst>
               <a:ext uri="{FF2B5EF4-FFF2-40B4-BE49-F238E27FC236}">
-                <a16:creationId xmlns:a16="http://schemas.microsoft.com/office/drawing/2014/main" xmlns="" id="{21E8FC1A-F6F2-D740-62BB-8D816B6A1143}"/>
+                <a16:creationId xmlns="" xmlns:a16="http://schemas.microsoft.com/office/drawing/2014/main" id="{21E8FC1A-F6F2-D740-62BB-8D816B6A1143}"/>
               </a:ext>
             </a:extLst>
           </p:cNvPr>
@@ -1606,7 +1606,7 @@
           <p:cNvPr id="4" name="Content Placeholder 3">
             <a:extLst>
               <a:ext uri="{FF2B5EF4-FFF2-40B4-BE49-F238E27FC236}">
-                <a16:creationId xmlns:a16="http://schemas.microsoft.com/office/drawing/2014/main" xmlns="" id="{7BEE496F-A193-11BA-9A22-6513A4320C36}"/>
+                <a16:creationId xmlns="" xmlns:a16="http://schemas.microsoft.com/office/drawing/2014/main" id="{7BEE496F-A193-11BA-9A22-6513A4320C36}"/>
               </a:ext>
             </a:extLst>
           </p:cNvPr>
@@ -1668,7 +1668,7 @@
           <p:cNvPr id="5" name="Text Placeholder 4">
             <a:extLst>
               <a:ext uri="{FF2B5EF4-FFF2-40B4-BE49-F238E27FC236}">
-                <a16:creationId xmlns:a16="http://schemas.microsoft.com/office/drawing/2014/main" xmlns="" id="{35E765E1-C321-8D88-C844-A0CA83E168AB}"/>
+                <a16:creationId xmlns="" xmlns:a16="http://schemas.microsoft.com/office/drawing/2014/main" id="{35E765E1-C321-8D88-C844-A0CA83E168AB}"/>
               </a:ext>
             </a:extLst>
           </p:cNvPr>
@@ -1739,7 +1739,7 @@
           <p:cNvPr id="6" name="Content Placeholder 5">
             <a:extLst>
               <a:ext uri="{FF2B5EF4-FFF2-40B4-BE49-F238E27FC236}">
-                <a16:creationId xmlns:a16="http://schemas.microsoft.com/office/drawing/2014/main" xmlns="" id="{012143DA-D9AA-1222-D2DF-41E632CFC9CC}"/>
+                <a16:creationId xmlns="" xmlns:a16="http://schemas.microsoft.com/office/drawing/2014/main" id="{012143DA-D9AA-1222-D2DF-41E632CFC9CC}"/>
               </a:ext>
             </a:extLst>
           </p:cNvPr>
@@ -1801,7 +1801,7 @@
           <p:cNvPr id="7" name="Date Placeholder 6">
             <a:extLst>
               <a:ext uri="{FF2B5EF4-FFF2-40B4-BE49-F238E27FC236}">
-                <a16:creationId xmlns:a16="http://schemas.microsoft.com/office/drawing/2014/main" xmlns="" id="{66B4EF04-149F-0738-E9E3-3FDC080ADC8F}"/>
+                <a16:creationId xmlns="" xmlns:a16="http://schemas.microsoft.com/office/drawing/2014/main" id="{66B4EF04-149F-0738-E9E3-3FDC080ADC8F}"/>
               </a:ext>
             </a:extLst>
           </p:cNvPr>
@@ -1819,7 +1819,7 @@
           <a:p>
             <a:fld id="{CFB1DFE4-56D5-AF42-9E0E-A54011945973}" type="datetimeFigureOut">
               <a:rPr lang="en-US" smtClean="0"/>
-              <a:t>11/18/2024</a:t>
+              <a:t>11/19/2024</a:t>
             </a:fld>
             <a:endParaRPr lang="en-US"/>
           </a:p>
@@ -1830,7 +1830,7 @@
           <p:cNvPr id="8" name="Footer Placeholder 7">
             <a:extLst>
               <a:ext uri="{FF2B5EF4-FFF2-40B4-BE49-F238E27FC236}">
-                <a16:creationId xmlns:a16="http://schemas.microsoft.com/office/drawing/2014/main" xmlns="" id="{5C371E79-2046-E7C1-9280-7D9E9EE352F4}"/>
+                <a16:creationId xmlns="" xmlns:a16="http://schemas.microsoft.com/office/drawing/2014/main" id="{5C371E79-2046-E7C1-9280-7D9E9EE352F4}"/>
               </a:ext>
             </a:extLst>
           </p:cNvPr>
@@ -1855,7 +1855,7 @@
           <p:cNvPr id="9" name="Slide Number Placeholder 8">
             <a:extLst>
               <a:ext uri="{FF2B5EF4-FFF2-40B4-BE49-F238E27FC236}">
-                <a16:creationId xmlns:a16="http://schemas.microsoft.com/office/drawing/2014/main" xmlns="" id="{841972D1-7717-5441-1F13-DD81794C081D}"/>
+                <a16:creationId xmlns="" xmlns:a16="http://schemas.microsoft.com/office/drawing/2014/main" id="{841972D1-7717-5441-1F13-DD81794C081D}"/>
               </a:ext>
             </a:extLst>
           </p:cNvPr>
@@ -1914,7 +1914,7 @@
           <p:cNvPr id="2" name="Title 1">
             <a:extLst>
               <a:ext uri="{FF2B5EF4-FFF2-40B4-BE49-F238E27FC236}">
-                <a16:creationId xmlns:a16="http://schemas.microsoft.com/office/drawing/2014/main" xmlns="" id="{F693AA30-915D-0216-BCF8-6AA72440A3F1}"/>
+                <a16:creationId xmlns="" xmlns:a16="http://schemas.microsoft.com/office/drawing/2014/main" id="{F693AA30-915D-0216-BCF8-6AA72440A3F1}"/>
               </a:ext>
             </a:extLst>
           </p:cNvPr>
@@ -1942,7 +1942,7 @@
           <p:cNvPr id="3" name="Date Placeholder 2">
             <a:extLst>
               <a:ext uri="{FF2B5EF4-FFF2-40B4-BE49-F238E27FC236}">
-                <a16:creationId xmlns:a16="http://schemas.microsoft.com/office/drawing/2014/main" xmlns="" id="{1E177995-43F0-3649-F4DF-3BF0A8A92B03}"/>
+                <a16:creationId xmlns="" xmlns:a16="http://schemas.microsoft.com/office/drawing/2014/main" id="{1E177995-43F0-3649-F4DF-3BF0A8A92B03}"/>
               </a:ext>
             </a:extLst>
           </p:cNvPr>
@@ -1960,7 +1960,7 @@
           <a:p>
             <a:fld id="{CFB1DFE4-56D5-AF42-9E0E-A54011945973}" type="datetimeFigureOut">
               <a:rPr lang="en-US" smtClean="0"/>
-              <a:t>11/18/2024</a:t>
+              <a:t>11/19/2024</a:t>
             </a:fld>
             <a:endParaRPr lang="en-US"/>
           </a:p>
@@ -1971,7 +1971,7 @@
           <p:cNvPr id="4" name="Footer Placeholder 3">
             <a:extLst>
               <a:ext uri="{FF2B5EF4-FFF2-40B4-BE49-F238E27FC236}">
-                <a16:creationId xmlns:a16="http://schemas.microsoft.com/office/drawing/2014/main" xmlns="" id="{CFC3FAA6-4617-A3DE-A1CB-CB307B4E1E06}"/>
+                <a16:creationId xmlns="" xmlns:a16="http://schemas.microsoft.com/office/drawing/2014/main" id="{CFC3FAA6-4617-A3DE-A1CB-CB307B4E1E06}"/>
               </a:ext>
             </a:extLst>
           </p:cNvPr>
@@ -1996,7 +1996,7 @@
           <p:cNvPr id="5" name="Slide Number Placeholder 4">
             <a:extLst>
               <a:ext uri="{FF2B5EF4-FFF2-40B4-BE49-F238E27FC236}">
-                <a16:creationId xmlns:a16="http://schemas.microsoft.com/office/drawing/2014/main" xmlns="" id="{FF2EC59C-CF41-7308-4C2B-BCF365281CDA}"/>
+                <a16:creationId xmlns="" xmlns:a16="http://schemas.microsoft.com/office/drawing/2014/main" id="{FF2EC59C-CF41-7308-4C2B-BCF365281CDA}"/>
               </a:ext>
             </a:extLst>
           </p:cNvPr>
@@ -2055,7 +2055,7 @@
           <p:cNvPr id="2" name="Date Placeholder 1">
             <a:extLst>
               <a:ext uri="{FF2B5EF4-FFF2-40B4-BE49-F238E27FC236}">
-                <a16:creationId xmlns:a16="http://schemas.microsoft.com/office/drawing/2014/main" xmlns="" id="{26C90B3C-350C-0137-BD3A-3CBA5BA96767}"/>
+                <a16:creationId xmlns="" xmlns:a16="http://schemas.microsoft.com/office/drawing/2014/main" id="{26C90B3C-350C-0137-BD3A-3CBA5BA96767}"/>
               </a:ext>
             </a:extLst>
           </p:cNvPr>
@@ -2073,7 +2073,7 @@
           <a:p>
             <a:fld id="{CFB1DFE4-56D5-AF42-9E0E-A54011945973}" type="datetimeFigureOut">
               <a:rPr lang="en-US" smtClean="0"/>
-              <a:t>11/18/2024</a:t>
+              <a:t>11/19/2024</a:t>
             </a:fld>
             <a:endParaRPr lang="en-US"/>
           </a:p>
@@ -2084,7 +2084,7 @@
           <p:cNvPr id="3" name="Footer Placeholder 2">
             <a:extLst>
               <a:ext uri="{FF2B5EF4-FFF2-40B4-BE49-F238E27FC236}">
-                <a16:creationId xmlns:a16="http://schemas.microsoft.com/office/drawing/2014/main" xmlns="" id="{07DDC67D-34BB-3D5D-763F-58559C9C4E87}"/>
+                <a16:creationId xmlns="" xmlns:a16="http://schemas.microsoft.com/office/drawing/2014/main" id="{07DDC67D-34BB-3D5D-763F-58559C9C4E87}"/>
               </a:ext>
             </a:extLst>
           </p:cNvPr>
@@ -2109,7 +2109,7 @@
           <p:cNvPr id="4" name="Slide Number Placeholder 3">
             <a:extLst>
               <a:ext uri="{FF2B5EF4-FFF2-40B4-BE49-F238E27FC236}">
-                <a16:creationId xmlns:a16="http://schemas.microsoft.com/office/drawing/2014/main" xmlns="" id="{4AB99A7E-0B0D-0A1C-D107-A6B76D2673E7}"/>
+                <a16:creationId xmlns="" xmlns:a16="http://schemas.microsoft.com/office/drawing/2014/main" id="{4AB99A7E-0B0D-0A1C-D107-A6B76D2673E7}"/>
               </a:ext>
             </a:extLst>
           </p:cNvPr>
@@ -2168,7 +2168,7 @@
           <p:cNvPr id="2" name="Title 1">
             <a:extLst>
               <a:ext uri="{FF2B5EF4-FFF2-40B4-BE49-F238E27FC236}">
-                <a16:creationId xmlns:a16="http://schemas.microsoft.com/office/drawing/2014/main" xmlns="" id="{9C687232-53F6-ED71-7802-164E79BA8D0B}"/>
+                <a16:creationId xmlns="" xmlns:a16="http://schemas.microsoft.com/office/drawing/2014/main" id="{9C687232-53F6-ED71-7802-164E79BA8D0B}"/>
               </a:ext>
             </a:extLst>
           </p:cNvPr>
@@ -2205,7 +2205,7 @@
           <p:cNvPr id="3" name="Content Placeholder 2">
             <a:extLst>
               <a:ext uri="{FF2B5EF4-FFF2-40B4-BE49-F238E27FC236}">
-                <a16:creationId xmlns:a16="http://schemas.microsoft.com/office/drawing/2014/main" xmlns="" id="{F3DABB48-7A0D-DD6D-B3C5-522694FB5863}"/>
+                <a16:creationId xmlns="" xmlns:a16="http://schemas.microsoft.com/office/drawing/2014/main" id="{F3DABB48-7A0D-DD6D-B3C5-522694FB5863}"/>
               </a:ext>
             </a:extLst>
           </p:cNvPr>
@@ -2295,7 +2295,7 @@
           <p:cNvPr id="4" name="Text Placeholder 3">
             <a:extLst>
               <a:ext uri="{FF2B5EF4-FFF2-40B4-BE49-F238E27FC236}">
-                <a16:creationId xmlns:a16="http://schemas.microsoft.com/office/drawing/2014/main" xmlns="" id="{1619381F-B9DF-7265-373C-E5D470888E53}"/>
+                <a16:creationId xmlns="" xmlns:a16="http://schemas.microsoft.com/office/drawing/2014/main" id="{1619381F-B9DF-7265-373C-E5D470888E53}"/>
               </a:ext>
             </a:extLst>
           </p:cNvPr>
@@ -2366,7 +2366,7 @@
           <p:cNvPr id="5" name="Date Placeholder 4">
             <a:extLst>
               <a:ext uri="{FF2B5EF4-FFF2-40B4-BE49-F238E27FC236}">
-                <a16:creationId xmlns:a16="http://schemas.microsoft.com/office/drawing/2014/main" xmlns="" id="{33647DC3-312C-CA6E-9FEC-27857E907106}"/>
+                <a16:creationId xmlns="" xmlns:a16="http://schemas.microsoft.com/office/drawing/2014/main" id="{33647DC3-312C-CA6E-9FEC-27857E907106}"/>
               </a:ext>
             </a:extLst>
           </p:cNvPr>
@@ -2384,7 +2384,7 @@
           <a:p>
             <a:fld id="{CFB1DFE4-56D5-AF42-9E0E-A54011945973}" type="datetimeFigureOut">
               <a:rPr lang="en-US" smtClean="0"/>
-              <a:t>11/18/2024</a:t>
+              <a:t>11/19/2024</a:t>
             </a:fld>
             <a:endParaRPr lang="en-US"/>
           </a:p>
@@ -2395,7 +2395,7 @@
           <p:cNvPr id="6" name="Footer Placeholder 5">
             <a:extLst>
               <a:ext uri="{FF2B5EF4-FFF2-40B4-BE49-F238E27FC236}">
-                <a16:creationId xmlns:a16="http://schemas.microsoft.com/office/drawing/2014/main" xmlns="" id="{9D12E3AD-3A97-0AEB-6190-DCFB51273640}"/>
+                <a16:creationId xmlns="" xmlns:a16="http://schemas.microsoft.com/office/drawing/2014/main" id="{9D12E3AD-3A97-0AEB-6190-DCFB51273640}"/>
               </a:ext>
             </a:extLst>
           </p:cNvPr>
@@ -2420,7 +2420,7 @@
           <p:cNvPr id="7" name="Slide Number Placeholder 6">
             <a:extLst>
               <a:ext uri="{FF2B5EF4-FFF2-40B4-BE49-F238E27FC236}">
-                <a16:creationId xmlns:a16="http://schemas.microsoft.com/office/drawing/2014/main" xmlns="" id="{AE301F95-C11C-C526-6AB1-503DEB54E694}"/>
+                <a16:creationId xmlns="" xmlns:a16="http://schemas.microsoft.com/office/drawing/2014/main" id="{AE301F95-C11C-C526-6AB1-503DEB54E694}"/>
               </a:ext>
             </a:extLst>
           </p:cNvPr>
@@ -2479,7 +2479,7 @@
           <p:cNvPr id="2" name="Title 1">
             <a:extLst>
               <a:ext uri="{FF2B5EF4-FFF2-40B4-BE49-F238E27FC236}">
-                <a16:creationId xmlns:a16="http://schemas.microsoft.com/office/drawing/2014/main" xmlns="" id="{498540EA-9602-614C-9861-297FC909A9AB}"/>
+                <a16:creationId xmlns="" xmlns:a16="http://schemas.microsoft.com/office/drawing/2014/main" id="{498540EA-9602-614C-9861-297FC909A9AB}"/>
               </a:ext>
             </a:extLst>
           </p:cNvPr>
@@ -2516,7 +2516,7 @@
           <p:cNvPr id="3" name="Picture Placeholder 2">
             <a:extLst>
               <a:ext uri="{FF2B5EF4-FFF2-40B4-BE49-F238E27FC236}">
-                <a16:creationId xmlns:a16="http://schemas.microsoft.com/office/drawing/2014/main" xmlns="" id="{CEF7A3B4-8626-1FCE-EFA3-80F7F2599419}"/>
+                <a16:creationId xmlns="" xmlns:a16="http://schemas.microsoft.com/office/drawing/2014/main" id="{CEF7A3B4-8626-1FCE-EFA3-80F7F2599419}"/>
               </a:ext>
             </a:extLst>
           </p:cNvPr>
@@ -2583,7 +2583,7 @@
           <p:cNvPr id="4" name="Text Placeholder 3">
             <a:extLst>
               <a:ext uri="{FF2B5EF4-FFF2-40B4-BE49-F238E27FC236}">
-                <a16:creationId xmlns:a16="http://schemas.microsoft.com/office/drawing/2014/main" xmlns="" id="{A6D917C5-6268-0333-58C6-B239A8CF7B90}"/>
+                <a16:creationId xmlns="" xmlns:a16="http://schemas.microsoft.com/office/drawing/2014/main" id="{A6D917C5-6268-0333-58C6-B239A8CF7B90}"/>
               </a:ext>
             </a:extLst>
           </p:cNvPr>
@@ -2654,7 +2654,7 @@
           <p:cNvPr id="5" name="Date Placeholder 4">
             <a:extLst>
               <a:ext uri="{FF2B5EF4-FFF2-40B4-BE49-F238E27FC236}">
-                <a16:creationId xmlns:a16="http://schemas.microsoft.com/office/drawing/2014/main" xmlns="" id="{56F87ACD-B003-DB73-3B17-A7AC980913A7}"/>
+                <a16:creationId xmlns="" xmlns:a16="http://schemas.microsoft.com/office/drawing/2014/main" id="{56F87ACD-B003-DB73-3B17-A7AC980913A7}"/>
               </a:ext>
             </a:extLst>
           </p:cNvPr>
@@ -2672,7 +2672,7 @@
           <a:p>
             <a:fld id="{CFB1DFE4-56D5-AF42-9E0E-A54011945973}" type="datetimeFigureOut">
               <a:rPr lang="en-US" smtClean="0"/>
-              <a:t>11/18/2024</a:t>
+              <a:t>11/19/2024</a:t>
             </a:fld>
             <a:endParaRPr lang="en-US"/>
           </a:p>
@@ -2683,7 +2683,7 @@
           <p:cNvPr id="6" name="Footer Placeholder 5">
             <a:extLst>
               <a:ext uri="{FF2B5EF4-FFF2-40B4-BE49-F238E27FC236}">
-                <a16:creationId xmlns:a16="http://schemas.microsoft.com/office/drawing/2014/main" xmlns="" id="{85CACA19-65DB-DE9D-6AC9-6F1DAE9899AD}"/>
+                <a16:creationId xmlns="" xmlns:a16="http://schemas.microsoft.com/office/drawing/2014/main" id="{85CACA19-65DB-DE9D-6AC9-6F1DAE9899AD}"/>
               </a:ext>
             </a:extLst>
           </p:cNvPr>
@@ -2708,7 +2708,7 @@
           <p:cNvPr id="7" name="Slide Number Placeholder 6">
             <a:extLst>
               <a:ext uri="{FF2B5EF4-FFF2-40B4-BE49-F238E27FC236}">
-                <a16:creationId xmlns:a16="http://schemas.microsoft.com/office/drawing/2014/main" xmlns="" id="{529FBB4B-A479-7313-3D89-28175CD12890}"/>
+                <a16:creationId xmlns="" xmlns:a16="http://schemas.microsoft.com/office/drawing/2014/main" id="{529FBB4B-A479-7313-3D89-28175CD12890}"/>
               </a:ext>
             </a:extLst>
           </p:cNvPr>
@@ -2779,7 +2779,7 @@
           <p:cNvPr id="2" name="Title Placeholder 1">
             <a:extLst>
               <a:ext uri="{FF2B5EF4-FFF2-40B4-BE49-F238E27FC236}">
-                <a16:creationId xmlns:a16="http://schemas.microsoft.com/office/drawing/2014/main" xmlns="" id="{EE57AA13-3766-A102-6414-83B7B99835FC}"/>
+                <a16:creationId xmlns="" xmlns:a16="http://schemas.microsoft.com/office/drawing/2014/main" id="{EE57AA13-3766-A102-6414-83B7B99835FC}"/>
               </a:ext>
             </a:extLst>
           </p:cNvPr>
@@ -2817,7 +2817,7 @@
           <p:cNvPr id="3" name="Text Placeholder 2">
             <a:extLst>
               <a:ext uri="{FF2B5EF4-FFF2-40B4-BE49-F238E27FC236}">
-                <a16:creationId xmlns:a16="http://schemas.microsoft.com/office/drawing/2014/main" xmlns="" id="{12B39FD6-0596-0CC7-3C3A-A1B98081B326}"/>
+                <a16:creationId xmlns="" xmlns:a16="http://schemas.microsoft.com/office/drawing/2014/main" id="{12B39FD6-0596-0CC7-3C3A-A1B98081B326}"/>
               </a:ext>
             </a:extLst>
           </p:cNvPr>
@@ -2884,7 +2884,7 @@
           <p:cNvPr id="4" name="Date Placeholder 3">
             <a:extLst>
               <a:ext uri="{FF2B5EF4-FFF2-40B4-BE49-F238E27FC236}">
-                <a16:creationId xmlns:a16="http://schemas.microsoft.com/office/drawing/2014/main" xmlns="" id="{D3FD3FCE-E15C-6C0C-248D-D74A7A55F5CF}"/>
+                <a16:creationId xmlns="" xmlns:a16="http://schemas.microsoft.com/office/drawing/2014/main" id="{D3FD3FCE-E15C-6C0C-248D-D74A7A55F5CF}"/>
               </a:ext>
             </a:extLst>
           </p:cNvPr>
@@ -2920,7 +2920,7 @@
           <a:p>
             <a:fld id="{CFB1DFE4-56D5-AF42-9E0E-A54011945973}" type="datetimeFigureOut">
               <a:rPr lang="en-US" smtClean="0"/>
-              <a:t>11/18/2024</a:t>
+              <a:t>11/19/2024</a:t>
             </a:fld>
             <a:endParaRPr lang="en-US"/>
           </a:p>
@@ -2931,7 +2931,7 @@
           <p:cNvPr id="5" name="Footer Placeholder 4">
             <a:extLst>
               <a:ext uri="{FF2B5EF4-FFF2-40B4-BE49-F238E27FC236}">
-                <a16:creationId xmlns:a16="http://schemas.microsoft.com/office/drawing/2014/main" xmlns="" id="{72F01E4F-812D-2E3E-5C7D-6194FFD8B359}"/>
+                <a16:creationId xmlns="" xmlns:a16="http://schemas.microsoft.com/office/drawing/2014/main" id="{72F01E4F-812D-2E3E-5C7D-6194FFD8B359}"/>
               </a:ext>
             </a:extLst>
           </p:cNvPr>
@@ -2974,7 +2974,7 @@
           <p:cNvPr id="6" name="Slide Number Placeholder 5">
             <a:extLst>
               <a:ext uri="{FF2B5EF4-FFF2-40B4-BE49-F238E27FC236}">
-                <a16:creationId xmlns:a16="http://schemas.microsoft.com/office/drawing/2014/main" xmlns="" id="{5030DDF2-7C55-558A-6084-293EA645CA64}"/>
+                <a16:creationId xmlns="" xmlns:a16="http://schemas.microsoft.com/office/drawing/2014/main" id="{5030DDF2-7C55-558A-6084-293EA645CA64}"/>
               </a:ext>
             </a:extLst>
           </p:cNvPr>
@@ -3342,10 +3342,10 @@
           <p:cNvPr id="1033" name="Rectangle 1032">
             <a:extLst>
               <a:ext uri="{FF2B5EF4-FFF2-40B4-BE49-F238E27FC236}">
-                <a16:creationId xmlns:a16="http://schemas.microsoft.com/office/drawing/2014/main" xmlns="" id="{ECC07320-C2CA-4E29-8481-9D9E143C7788}"/>
+                <a16:creationId xmlns="" xmlns:a16="http://schemas.microsoft.com/office/drawing/2014/main" id="{ECC07320-C2CA-4E29-8481-9D9E143C7788}"/>
               </a:ext>
               <a:ext uri="{C183D7F6-B498-43B3-948B-1728B52AA6E4}">
-                <adec:decorative xmlns:adec="http://schemas.microsoft.com/office/drawing/2017/decorative" xmlns="" val="1"/>
+                <adec:decorative xmlns="" xmlns:adec="http://schemas.microsoft.com/office/drawing/2017/decorative" val="1"/>
               </a:ext>
             </a:extLst>
           </p:cNvPr>
@@ -3355,7 +3355,7 @@
           <p:nvPr>
             <p:extLst>
               <p:ext uri="{386F3935-93C4-4BCD-93E2-E3B085C9AB24}">
-                <p16:designElem xmlns:p16="http://schemas.microsoft.com/office/powerpoint/2015/main" xmlns="" val="1"/>
+                <p16:designElem xmlns="" xmlns:p16="http://schemas.microsoft.com/office/powerpoint/2015/main" val="1"/>
               </p:ext>
             </p:extLst>
           </p:nvPr>
@@ -3402,7 +3402,7 @@
           <p:cNvPr id="1028" name="Picture 4" descr="Farm Houses Background">
             <a:extLst>
               <a:ext uri="{FF2B5EF4-FFF2-40B4-BE49-F238E27FC236}">
-                <a16:creationId xmlns:a16="http://schemas.microsoft.com/office/drawing/2014/main" xmlns="" id="{2C7D8CBA-2D45-D08A-03AC-EF2F237DC496}"/>
+                <a16:creationId xmlns="" xmlns:a16="http://schemas.microsoft.com/office/drawing/2014/main" id="{2C7D8CBA-2D45-D08A-03AC-EF2F237DC496}"/>
               </a:ext>
             </a:extLst>
           </p:cNvPr>
@@ -3447,10 +3447,10 @@
           <p:cNvPr id="1035" name="Rectangle 1034">
             <a:extLst>
               <a:ext uri="{FF2B5EF4-FFF2-40B4-BE49-F238E27FC236}">
-                <a16:creationId xmlns:a16="http://schemas.microsoft.com/office/drawing/2014/main" xmlns="" id="{178FB36B-5BFE-42CA-BC60-1115E0D95EEC}"/>
+                <a16:creationId xmlns="" xmlns:a16="http://schemas.microsoft.com/office/drawing/2014/main" id="{178FB36B-5BFE-42CA-BC60-1115E0D95EEC}"/>
               </a:ext>
               <a:ext uri="{C183D7F6-B498-43B3-948B-1728B52AA6E4}">
-                <adec:decorative xmlns:adec="http://schemas.microsoft.com/office/drawing/2017/decorative" xmlns="" val="1"/>
+                <adec:decorative xmlns="" xmlns:adec="http://schemas.microsoft.com/office/drawing/2017/decorative" val="1"/>
               </a:ext>
             </a:extLst>
           </p:cNvPr>
@@ -3460,7 +3460,7 @@
           <p:nvPr>
             <p:extLst>
               <p:ext uri="{386F3935-93C4-4BCD-93E2-E3B085C9AB24}">
-                <p16:designElem xmlns:p16="http://schemas.microsoft.com/office/powerpoint/2015/main" xmlns="" val="1"/>
+                <p16:designElem xmlns="" xmlns:p16="http://schemas.microsoft.com/office/powerpoint/2015/main" val="1"/>
               </p:ext>
             </p:extLst>
           </p:nvPr>
@@ -3533,7 +3533,7 @@
           <p:cNvPr id="2" name="Title 1">
             <a:extLst>
               <a:ext uri="{FF2B5EF4-FFF2-40B4-BE49-F238E27FC236}">
-                <a16:creationId xmlns:a16="http://schemas.microsoft.com/office/drawing/2014/main" xmlns="" id="{EDE92C9A-E89F-4A3A-B60C-B3920FE65578}"/>
+                <a16:creationId xmlns="" xmlns:a16="http://schemas.microsoft.com/office/drawing/2014/main" id="{EDE92C9A-E89F-4A3A-B60C-B3920FE65578}"/>
               </a:ext>
             </a:extLst>
           </p:cNvPr>
@@ -3570,7 +3570,7 @@
           <p:cNvPr id="3" name="Subtitle 2">
             <a:extLst>
               <a:ext uri="{FF2B5EF4-FFF2-40B4-BE49-F238E27FC236}">
-                <a16:creationId xmlns:a16="http://schemas.microsoft.com/office/drawing/2014/main" xmlns="" id="{350BA960-D3E4-56E0-039A-ED907B180B30}"/>
+                <a16:creationId xmlns="" xmlns:a16="http://schemas.microsoft.com/office/drawing/2014/main" id="{350BA960-D3E4-56E0-039A-ED907B180B30}"/>
               </a:ext>
             </a:extLst>
           </p:cNvPr>
@@ -3623,6 +3623,13 @@
   <p:clrMapOvr>
     <a:masterClrMapping/>
   </p:clrMapOvr>
+  <p:timing>
+    <p:tnLst>
+      <p:par>
+        <p:cTn id="1" dur="indefinite" restart="never" nodeType="tmRoot"/>
+      </p:par>
+    </p:tnLst>
+  </p:timing>
 </p:sld>
 </file>
 
@@ -3634,7 +3641,7 @@
         <p:cNvPr id="1" name="">
           <a:extLst>
             <a:ext uri="{FF2B5EF4-FFF2-40B4-BE49-F238E27FC236}">
-              <a16:creationId xmlns:a16="http://schemas.microsoft.com/office/drawing/2014/main" xmlns="" id="{79BA8CB1-241E-394B-D8F2-C4DEA90C6C6D}"/>
+              <a16:creationId xmlns="" xmlns:a16="http://schemas.microsoft.com/office/drawing/2014/main" id="{79BA8CB1-241E-394B-D8F2-C4DEA90C6C6D}"/>
             </a:ext>
           </a:extLst>
         </p:cNvPr>
@@ -3654,7 +3661,7 @@
           <p:cNvPr id="2" name="Title 1">
             <a:extLst>
               <a:ext uri="{FF2B5EF4-FFF2-40B4-BE49-F238E27FC236}">
-                <a16:creationId xmlns:a16="http://schemas.microsoft.com/office/drawing/2014/main" xmlns="" id="{9B40F9C6-67DE-96C1-D282-584940020B38}"/>
+                <a16:creationId xmlns="" xmlns:a16="http://schemas.microsoft.com/office/drawing/2014/main" id="{9B40F9C6-67DE-96C1-D282-584940020B38}"/>
               </a:ext>
             </a:extLst>
           </p:cNvPr>
@@ -3689,7 +3696,7 @@
           <p:cNvPr id="3" name="Content Placeholder 2">
             <a:extLst>
               <a:ext uri="{FF2B5EF4-FFF2-40B4-BE49-F238E27FC236}">
-                <a16:creationId xmlns:a16="http://schemas.microsoft.com/office/drawing/2014/main" xmlns="" id="{FFDE8A61-CE29-878C-3781-4C2217DF7AD9}"/>
+                <a16:creationId xmlns="" xmlns:a16="http://schemas.microsoft.com/office/drawing/2014/main" id="{FFDE8A61-CE29-878C-3781-4C2217DF7AD9}"/>
               </a:ext>
             </a:extLst>
           </p:cNvPr>
@@ -3793,7 +3800,7 @@
           <p:cNvPr id="5" name="Picture 4" descr="A graph of a graph with numbers and a bar chart&#10;&#10;Description automatically generated with medium confidence">
             <a:extLst>
               <a:ext uri="{FF2B5EF4-FFF2-40B4-BE49-F238E27FC236}">
-                <a16:creationId xmlns:a16="http://schemas.microsoft.com/office/drawing/2014/main" xmlns="" id="{9D8C13F6-7652-C100-B111-B34B1049D27C}"/>
+                <a16:creationId xmlns="" xmlns:a16="http://schemas.microsoft.com/office/drawing/2014/main" id="{9D8C13F6-7652-C100-B111-B34B1049D27C}"/>
               </a:ext>
             </a:extLst>
           </p:cNvPr>
@@ -3823,10 +3830,10 @@
           <p:cNvPr id="16" name="Group 15">
             <a:extLst>
               <a:ext uri="{FF2B5EF4-FFF2-40B4-BE49-F238E27FC236}">
-                <a16:creationId xmlns:a16="http://schemas.microsoft.com/office/drawing/2014/main" xmlns="" id="{31C49F18-8757-4E87-5C2E-9D6D7B82BA3B}"/>
+                <a16:creationId xmlns="" xmlns:a16="http://schemas.microsoft.com/office/drawing/2014/main" id="{31C49F18-8757-4E87-5C2E-9D6D7B82BA3B}"/>
               </a:ext>
               <a:ext uri="{C183D7F6-B498-43B3-948B-1728B52AA6E4}">
-                <adec:decorative xmlns:adec="http://schemas.microsoft.com/office/drawing/2017/decorative" xmlns="" val="1"/>
+                <adec:decorative xmlns="" xmlns:adec="http://schemas.microsoft.com/office/drawing/2017/decorative" val="1"/>
               </a:ext>
             </a:extLst>
           </p:cNvPr>
@@ -3836,7 +3843,7 @@
           <p:nvPr>
             <p:extLst>
               <p:ext uri="{386F3935-93C4-4BCD-93E2-E3B085C9AB24}">
-                <p16:designElem xmlns:p16="http://schemas.microsoft.com/office/powerpoint/2015/main" xmlns="" val="1"/>
+                <p16:designElem xmlns="" xmlns:p16="http://schemas.microsoft.com/office/powerpoint/2015/main" val="1"/>
               </p:ext>
             </p:extLst>
           </p:nvPr>
@@ -3854,10 +3861,10 @@
             <p:cNvPr id="17" name="Rectangle 16">
               <a:extLst>
                 <a:ext uri="{FF2B5EF4-FFF2-40B4-BE49-F238E27FC236}">
-                  <a16:creationId xmlns:a16="http://schemas.microsoft.com/office/drawing/2014/main" xmlns="" id="{25C84D91-E5BF-B919-ACEF-4A25262CEE72}"/>
+                  <a16:creationId xmlns="" xmlns:a16="http://schemas.microsoft.com/office/drawing/2014/main" id="{25C84D91-E5BF-B919-ACEF-4A25262CEE72}"/>
                 </a:ext>
                 <a:ext uri="{C183D7F6-B498-43B3-948B-1728B52AA6E4}">
-                  <adec:decorative xmlns:adec="http://schemas.microsoft.com/office/drawing/2017/decorative" xmlns="" val="1"/>
+                  <adec:decorative xmlns="" xmlns:adec="http://schemas.microsoft.com/office/drawing/2017/decorative" val="1"/>
                 </a:ext>
               </a:extLst>
             </p:cNvPr>
@@ -3865,7 +3872,7 @@
             <p:nvPr>
               <p:extLst>
                 <p:ext uri="{386F3935-93C4-4BCD-93E2-E3B085C9AB24}">
-                  <p16:designElem xmlns:p16="http://schemas.microsoft.com/office/powerpoint/2015/main" xmlns="" val="1"/>
+                  <p16:designElem xmlns="" xmlns:p16="http://schemas.microsoft.com/office/powerpoint/2015/main" val="1"/>
                 </p:ext>
               </p:extLst>
             </p:nvPr>
@@ -3923,10 +3930,10 @@
             <p:cNvPr id="18" name="Rectangle 17">
               <a:extLst>
                 <a:ext uri="{FF2B5EF4-FFF2-40B4-BE49-F238E27FC236}">
-                  <a16:creationId xmlns:a16="http://schemas.microsoft.com/office/drawing/2014/main" xmlns="" id="{DD889E38-27CA-E23F-B646-8D7B4BB17DBC}"/>
+                  <a16:creationId xmlns="" xmlns:a16="http://schemas.microsoft.com/office/drawing/2014/main" id="{DD889E38-27CA-E23F-B646-8D7B4BB17DBC}"/>
                 </a:ext>
                 <a:ext uri="{C183D7F6-B498-43B3-948B-1728B52AA6E4}">
-                  <adec:decorative xmlns:adec="http://schemas.microsoft.com/office/drawing/2017/decorative" xmlns="" val="1"/>
+                  <adec:decorative xmlns="" xmlns:adec="http://schemas.microsoft.com/office/drawing/2017/decorative" val="1"/>
                 </a:ext>
               </a:extLst>
             </p:cNvPr>
@@ -3934,7 +3941,7 @@
             <p:nvPr>
               <p:extLst>
                 <p:ext uri="{386F3935-93C4-4BCD-93E2-E3B085C9AB24}">
-                  <p16:designElem xmlns:p16="http://schemas.microsoft.com/office/powerpoint/2015/main" xmlns="" val="1"/>
+                  <p16:designElem xmlns="" xmlns:p16="http://schemas.microsoft.com/office/powerpoint/2015/main" val="1"/>
                 </p:ext>
               </p:extLst>
             </p:nvPr>
@@ -4061,15 +4068,7 @@
             </a:br>
             <a:r>
               <a:rPr lang="en-US" b="1" dirty="0" smtClean="0"/>
-              <a:t>Top </a:t>
-            </a:r>
-            <a:r>
-              <a:rPr lang="en-US" b="1" dirty="0" smtClean="0"/>
-              <a:t>and Bottom 5 </a:t>
-            </a:r>
-            <a:r>
-              <a:rPr lang="en-US" b="1" dirty="0" smtClean="0"/>
-              <a:t>States</a:t>
+              <a:t>Top and Bottom 5 States</a:t>
             </a:r>
             <a:endParaRPr lang="en-US" b="1" dirty="0"/>
           </a:p>
@@ -4088,7 +4087,7 @@
         <p:spPr>
           <a:xfrm>
             <a:off x="7504981" y="1587264"/>
-            <a:ext cx="4077419" cy="3131040"/>
+            <a:ext cx="4140679" cy="3131040"/>
           </a:xfrm>
         </p:spPr>
         <p:txBody>
@@ -4099,8 +4098,35 @@
           <a:p>
             <a:r>
               <a:rPr lang="en-US" sz="1200" dirty="0" smtClean="0"/>
-              <a:t>Range between highest and lowest has increased by $448,730 since 2004</a:t>
-            </a:r>
+              <a:t>Range between highest and </a:t>
+            </a:r>
+            <a:r>
+              <a:rPr lang="en-US" sz="1200" dirty="0" smtClean="0"/>
+              <a:t>lowest increased </a:t>
+            </a:r>
+            <a:r>
+              <a:rPr lang="en-US" sz="1200" dirty="0" smtClean="0"/>
+              <a:t>by </a:t>
+            </a:r>
+            <a:r>
+              <a:rPr lang="en-US" sz="1200" dirty="0" smtClean="0"/>
+              <a:t>191% ($448,730) </a:t>
+            </a:r>
+            <a:r>
+              <a:rPr lang="en-US" sz="1200" dirty="0" smtClean="0"/>
+              <a:t>since </a:t>
+            </a:r>
+            <a:r>
+              <a:rPr lang="en-US" sz="1200" dirty="0" smtClean="0"/>
+              <a:t>2004</a:t>
+            </a:r>
+          </a:p>
+          <a:p>
+            <a:r>
+              <a:rPr lang="en-US" sz="1200" dirty="0" smtClean="0"/>
+              <a:t>U.S. median increased by 112% ($180,759)</a:t>
+            </a:r>
+            <a:endParaRPr lang="en-US" sz="1200" dirty="0" smtClean="0"/>
           </a:p>
           <a:p>
             <a:r>
@@ -4140,7 +4166,7 @@
         <p:spPr bwMode="auto">
           <a:xfrm>
             <a:off x="888522" y="1587263"/>
-            <a:ext cx="6133380" cy="4906705"/>
+            <a:ext cx="6133380" cy="4906704"/>
           </a:xfrm>
           <a:prstGeom prst="rect">
             <a:avLst/>
@@ -5543,7 +5569,6 @@
               <a:rPr lang="en-US" sz="1200" dirty="0"/>
               <a:t> least affordable</a:t>
             </a:r>
-            <a:endParaRPr lang="en-US" sz="1200" dirty="0"/>
           </a:p>
         </p:txBody>
       </p:sp>
@@ -5862,7 +5887,6 @@
               <a:rPr lang="en-US" sz="1200" dirty="0"/>
               <a:t>data for Montana and North Dakota in 2004</a:t>
             </a:r>
-            <a:endParaRPr lang="en-US" sz="1200" dirty="0"/>
           </a:p>
         </p:txBody>
       </p:sp>
@@ -5969,7 +5993,7 @@
           <p:cNvPr id="6" name="TextBox 5">
             <a:extLst>
               <a:ext uri="{FF2B5EF4-FFF2-40B4-BE49-F238E27FC236}">
-                <a16:creationId xmlns:a16="http://schemas.microsoft.com/office/drawing/2014/main" xmlns="" id="{0E2DF987-BC38-7179-C2AE-6542D60DD9EC}"/>
+                <a16:creationId xmlns="" xmlns:a16="http://schemas.microsoft.com/office/drawing/2014/main" id="{0E2DF987-BC38-7179-C2AE-6542D60DD9EC}"/>
               </a:ext>
             </a:extLst>
           </p:cNvPr>
@@ -6013,7 +6037,7 @@
           <p:cNvPr id="9" name="Picture 8">
             <a:extLst>
               <a:ext uri="{FF2B5EF4-FFF2-40B4-BE49-F238E27FC236}">
-                <a16:creationId xmlns:a16="http://schemas.microsoft.com/office/drawing/2014/main" xmlns="" id="{559BB3C4-21A2-BBBE-388F-3975A3F33EFD}"/>
+                <a16:creationId xmlns="" xmlns:a16="http://schemas.microsoft.com/office/drawing/2014/main" id="{559BB3C4-21A2-BBBE-388F-3975A3F33EFD}"/>
               </a:ext>
             </a:extLst>
           </p:cNvPr>
@@ -6043,7 +6067,7 @@
           <p:cNvPr id="10" name="Picture 9">
             <a:extLst>
               <a:ext uri="{FF2B5EF4-FFF2-40B4-BE49-F238E27FC236}">
-                <a16:creationId xmlns:a16="http://schemas.microsoft.com/office/drawing/2014/main" xmlns="" id="{CE720D36-11DA-4A5A-4E7C-235C7B0E2D7D}"/>
+                <a16:creationId xmlns="" xmlns:a16="http://schemas.microsoft.com/office/drawing/2014/main" id="{CE720D36-11DA-4A5A-4E7C-235C7B0E2D7D}"/>
               </a:ext>
             </a:extLst>
           </p:cNvPr>
@@ -6073,7 +6097,7 @@
           <p:cNvPr id="11" name="TextBox 10">
             <a:extLst>
               <a:ext uri="{FF2B5EF4-FFF2-40B4-BE49-F238E27FC236}">
-                <a16:creationId xmlns:a16="http://schemas.microsoft.com/office/drawing/2014/main" xmlns="" id="{3F704A29-F651-2CC1-7C46-06B9FFE13816}"/>
+                <a16:creationId xmlns="" xmlns:a16="http://schemas.microsoft.com/office/drawing/2014/main" id="{3F704A29-F651-2CC1-7C46-06B9FFE13816}"/>
               </a:ext>
             </a:extLst>
           </p:cNvPr>
@@ -6108,7 +6132,7 @@
           <p:cNvPr id="12" name="TextBox 11">
             <a:extLst>
               <a:ext uri="{FF2B5EF4-FFF2-40B4-BE49-F238E27FC236}">
-                <a16:creationId xmlns:a16="http://schemas.microsoft.com/office/drawing/2014/main" xmlns="" id="{41D8B2DD-E472-6FD4-99FB-C1713293F6ED}"/>
+                <a16:creationId xmlns="" xmlns:a16="http://schemas.microsoft.com/office/drawing/2014/main" id="{41D8B2DD-E472-6FD4-99FB-C1713293F6ED}"/>
               </a:ext>
             </a:extLst>
           </p:cNvPr>
@@ -6143,7 +6167,7 @@
           <p:cNvPr id="13" name="Picture 12">
             <a:extLst>
               <a:ext uri="{FF2B5EF4-FFF2-40B4-BE49-F238E27FC236}">
-                <a16:creationId xmlns:a16="http://schemas.microsoft.com/office/drawing/2014/main" xmlns="" id="{97E6D9A7-D25D-5321-BEAE-ED5BDA5A9598}"/>
+                <a16:creationId xmlns="" xmlns:a16="http://schemas.microsoft.com/office/drawing/2014/main" id="{97E6D9A7-D25D-5321-BEAE-ED5BDA5A9598}"/>
               </a:ext>
             </a:extLst>
           </p:cNvPr>
@@ -6210,7 +6234,7 @@
           <p:cNvPr id="2" name="Title 1">
             <a:extLst>
               <a:ext uri="{FF2B5EF4-FFF2-40B4-BE49-F238E27FC236}">
-                <a16:creationId xmlns:a16="http://schemas.microsoft.com/office/drawing/2014/main" xmlns="" id="{A6CB7378-C33E-A70A-43ED-C053BE3081AD}"/>
+                <a16:creationId xmlns="" xmlns:a16="http://schemas.microsoft.com/office/drawing/2014/main" id="{A6CB7378-C33E-A70A-43ED-C053BE3081AD}"/>
               </a:ext>
             </a:extLst>
           </p:cNvPr>
@@ -6245,7 +6269,7 @@
           <p:cNvPr id="3" name="Content Placeholder 2">
             <a:extLst>
               <a:ext uri="{FF2B5EF4-FFF2-40B4-BE49-F238E27FC236}">
-                <a16:creationId xmlns:a16="http://schemas.microsoft.com/office/drawing/2014/main" xmlns="" id="{C74D3CA9-B310-217D-337E-180C57ED988B}"/>
+                <a16:creationId xmlns="" xmlns:a16="http://schemas.microsoft.com/office/drawing/2014/main" id="{C74D3CA9-B310-217D-337E-180C57ED988B}"/>
               </a:ext>
             </a:extLst>
           </p:cNvPr>
@@ -6292,7 +6316,7 @@
           <p:cNvPr id="4" name="Picture 3" descr="A graph with blue and orange lines&#10;&#10;Description automatically generated">
             <a:extLst>
               <a:ext uri="{FF2B5EF4-FFF2-40B4-BE49-F238E27FC236}">
-                <a16:creationId xmlns:a16="http://schemas.microsoft.com/office/drawing/2014/main" xmlns="" id="{B0178C93-AEFC-5CC3-1377-6DFC6B55C89B}"/>
+                <a16:creationId xmlns="" xmlns:a16="http://schemas.microsoft.com/office/drawing/2014/main" id="{B0178C93-AEFC-5CC3-1377-6DFC6B55C89B}"/>
               </a:ext>
             </a:extLst>
           </p:cNvPr>
@@ -6322,10 +6346,10 @@
           <p:cNvPr id="16" name="Group 15">
             <a:extLst>
               <a:ext uri="{FF2B5EF4-FFF2-40B4-BE49-F238E27FC236}">
-                <a16:creationId xmlns:a16="http://schemas.microsoft.com/office/drawing/2014/main" xmlns="" id="{6258F736-B256-8039-9DC6-F4E49A5C5AD5}"/>
+                <a16:creationId xmlns="" xmlns:a16="http://schemas.microsoft.com/office/drawing/2014/main" id="{6258F736-B256-8039-9DC6-F4E49A5C5AD5}"/>
               </a:ext>
               <a:ext uri="{C183D7F6-B498-43B3-948B-1728B52AA6E4}">
-                <adec:decorative xmlns:adec="http://schemas.microsoft.com/office/drawing/2017/decorative" xmlns="" val="1"/>
+                <adec:decorative xmlns="" xmlns:adec="http://schemas.microsoft.com/office/drawing/2017/decorative" val="1"/>
               </a:ext>
             </a:extLst>
           </p:cNvPr>
@@ -6335,7 +6359,7 @@
           <p:nvPr>
             <p:extLst>
               <p:ext uri="{386F3935-93C4-4BCD-93E2-E3B085C9AB24}">
-                <p16:designElem xmlns:p16="http://schemas.microsoft.com/office/powerpoint/2015/main" xmlns="" val="1"/>
+                <p16:designElem xmlns="" xmlns:p16="http://schemas.microsoft.com/office/powerpoint/2015/main" val="1"/>
               </p:ext>
             </p:extLst>
           </p:nvPr>
@@ -6353,10 +6377,10 @@
             <p:cNvPr id="29" name="Rectangle 28">
               <a:extLst>
                 <a:ext uri="{FF2B5EF4-FFF2-40B4-BE49-F238E27FC236}">
-                  <a16:creationId xmlns:a16="http://schemas.microsoft.com/office/drawing/2014/main" xmlns="" id="{10B4520A-996E-330C-99DA-69CA4D89E906}"/>
+                  <a16:creationId xmlns="" xmlns:a16="http://schemas.microsoft.com/office/drawing/2014/main" id="{10B4520A-996E-330C-99DA-69CA4D89E906}"/>
                 </a:ext>
                 <a:ext uri="{C183D7F6-B498-43B3-948B-1728B52AA6E4}">
-                  <adec:decorative xmlns:adec="http://schemas.microsoft.com/office/drawing/2017/decorative" xmlns="" val="1"/>
+                  <adec:decorative xmlns="" xmlns:adec="http://schemas.microsoft.com/office/drawing/2017/decorative" val="1"/>
                 </a:ext>
               </a:extLst>
             </p:cNvPr>
@@ -6364,7 +6388,7 @@
             <p:nvPr>
               <p:extLst>
                 <p:ext uri="{386F3935-93C4-4BCD-93E2-E3B085C9AB24}">
-                  <p16:designElem xmlns:p16="http://schemas.microsoft.com/office/powerpoint/2015/main" xmlns="" val="1"/>
+                  <p16:designElem xmlns="" xmlns:p16="http://schemas.microsoft.com/office/powerpoint/2015/main" val="1"/>
                 </p:ext>
               </p:extLst>
             </p:nvPr>
@@ -6422,10 +6446,10 @@
             <p:cNvPr id="18" name="Rectangle 17">
               <a:extLst>
                 <a:ext uri="{FF2B5EF4-FFF2-40B4-BE49-F238E27FC236}">
-                  <a16:creationId xmlns:a16="http://schemas.microsoft.com/office/drawing/2014/main" xmlns="" id="{EC8FA945-E356-695F-18D6-CAD4EF34FE4A}"/>
+                  <a16:creationId xmlns="" xmlns:a16="http://schemas.microsoft.com/office/drawing/2014/main" id="{EC8FA945-E356-695F-18D6-CAD4EF34FE4A}"/>
                 </a:ext>
                 <a:ext uri="{C183D7F6-B498-43B3-948B-1728B52AA6E4}">
-                  <adec:decorative xmlns:adec="http://schemas.microsoft.com/office/drawing/2017/decorative" xmlns="" val="1"/>
+                  <adec:decorative xmlns="" xmlns:adec="http://schemas.microsoft.com/office/drawing/2017/decorative" val="1"/>
                 </a:ext>
               </a:extLst>
             </p:cNvPr>
@@ -6433,7 +6457,7 @@
             <p:nvPr>
               <p:extLst>
                 <p:ext uri="{386F3935-93C4-4BCD-93E2-E3B085C9AB24}">
-                  <p16:designElem xmlns:p16="http://schemas.microsoft.com/office/powerpoint/2015/main" xmlns="" val="1"/>
+                  <p16:designElem xmlns="" xmlns:p16="http://schemas.microsoft.com/office/powerpoint/2015/main" val="1"/>
                 </p:ext>
               </p:extLst>
             </p:nvPr>
@@ -6536,10 +6560,10 @@
           <p:cNvPr id="11" name="Rectangle 10">
             <a:extLst>
               <a:ext uri="{FF2B5EF4-FFF2-40B4-BE49-F238E27FC236}">
-                <a16:creationId xmlns:a16="http://schemas.microsoft.com/office/drawing/2014/main" xmlns="" id="{058A14AF-9FB5-4CC7-BA35-E8E85D3EDF0E}"/>
+                <a16:creationId xmlns="" xmlns:a16="http://schemas.microsoft.com/office/drawing/2014/main" id="{058A14AF-9FB5-4CC7-BA35-E8E85D3EDF0E}"/>
               </a:ext>
               <a:ext uri="{C183D7F6-B498-43B3-948B-1728B52AA6E4}">
-                <adec:decorative xmlns:adec="http://schemas.microsoft.com/office/drawing/2017/decorative" xmlns="" val="1"/>
+                <adec:decorative xmlns="" xmlns:adec="http://schemas.microsoft.com/office/drawing/2017/decorative" val="1"/>
               </a:ext>
             </a:extLst>
           </p:cNvPr>
@@ -6549,7 +6573,7 @@
           <p:nvPr>
             <p:extLst>
               <p:ext uri="{386F3935-93C4-4BCD-93E2-E3B085C9AB24}">
-                <p16:designElem xmlns:p16="http://schemas.microsoft.com/office/powerpoint/2015/main" xmlns="" val="1"/>
+                <p16:designElem xmlns="" xmlns:p16="http://schemas.microsoft.com/office/powerpoint/2015/main" val="1"/>
               </p:ext>
             </p:extLst>
           </p:nvPr>
@@ -6596,7 +6620,7 @@
           <p:cNvPr id="2" name="Title 1">
             <a:extLst>
               <a:ext uri="{FF2B5EF4-FFF2-40B4-BE49-F238E27FC236}">
-                <a16:creationId xmlns:a16="http://schemas.microsoft.com/office/drawing/2014/main" xmlns="" id="{848043F5-7A39-F1F3-F928-552CAA31121B}"/>
+                <a16:creationId xmlns="" xmlns:a16="http://schemas.microsoft.com/office/drawing/2014/main" id="{848043F5-7A39-F1F3-F928-552CAA31121B}"/>
               </a:ext>
             </a:extLst>
           </p:cNvPr>
@@ -6632,10 +6656,10 @@
           <p:cNvPr id="13" name="Rectangle 12">
             <a:extLst>
               <a:ext uri="{FF2B5EF4-FFF2-40B4-BE49-F238E27FC236}">
-                <a16:creationId xmlns:a16="http://schemas.microsoft.com/office/drawing/2014/main" xmlns="" id="{3A9A4357-BD1D-4622-A4FE-766E6AB8DE84}"/>
+                <a16:creationId xmlns="" xmlns:a16="http://schemas.microsoft.com/office/drawing/2014/main" id="{3A9A4357-BD1D-4622-A4FE-766E6AB8DE84}"/>
               </a:ext>
               <a:ext uri="{C183D7F6-B498-43B3-948B-1728B52AA6E4}">
-                <adec:decorative xmlns:adec="http://schemas.microsoft.com/office/drawing/2017/decorative" xmlns="" val="1"/>
+                <adec:decorative xmlns="" xmlns:adec="http://schemas.microsoft.com/office/drawing/2017/decorative" val="1"/>
               </a:ext>
             </a:extLst>
           </p:cNvPr>
@@ -6645,7 +6669,7 @@
           <p:nvPr>
             <p:extLst>
               <p:ext uri="{386F3935-93C4-4BCD-93E2-E3B085C9AB24}">
-                <p16:designElem xmlns:p16="http://schemas.microsoft.com/office/powerpoint/2015/main" xmlns="" val="1"/>
+                <p16:designElem xmlns="" xmlns:p16="http://schemas.microsoft.com/office/powerpoint/2015/main" val="1"/>
               </p:ext>
             </p:extLst>
           </p:nvPr>
@@ -6695,10 +6719,10 @@
           <p:cNvPr id="15" name="Rectangle 14">
             <a:extLst>
               <a:ext uri="{FF2B5EF4-FFF2-40B4-BE49-F238E27FC236}">
-                <a16:creationId xmlns:a16="http://schemas.microsoft.com/office/drawing/2014/main" xmlns="" id="{E659831F-0D9A-4C63-9EBB-8435B85A440F}"/>
+                <a16:creationId xmlns="" xmlns:a16="http://schemas.microsoft.com/office/drawing/2014/main" id="{E659831F-0D9A-4C63-9EBB-8435B85A440F}"/>
               </a:ext>
               <a:ext uri="{C183D7F6-B498-43B3-948B-1728B52AA6E4}">
-                <adec:decorative xmlns:adec="http://schemas.microsoft.com/office/drawing/2017/decorative" xmlns="" val="1"/>
+                <adec:decorative xmlns="" xmlns:adec="http://schemas.microsoft.com/office/drawing/2017/decorative" val="1"/>
               </a:ext>
             </a:extLst>
           </p:cNvPr>
@@ -6708,7 +6732,7 @@
           <p:nvPr>
             <p:extLst>
               <p:ext uri="{386F3935-93C4-4BCD-93E2-E3B085C9AB24}">
-                <p16:designElem xmlns:p16="http://schemas.microsoft.com/office/powerpoint/2015/main" xmlns="" val="1"/>
+                <p16:designElem xmlns="" xmlns:p16="http://schemas.microsoft.com/office/powerpoint/2015/main" val="1"/>
               </p:ext>
             </p:extLst>
           </p:nvPr>
@@ -6765,7 +6789,7 @@
           <p:cNvPr id="4" name="Content Placeholder 3" descr="A graph with numbers and points&#10;&#10;Description automatically generated">
             <a:extLst>
               <a:ext uri="{FF2B5EF4-FFF2-40B4-BE49-F238E27FC236}">
-                <a16:creationId xmlns:a16="http://schemas.microsoft.com/office/drawing/2014/main" xmlns="" id="{06EE4526-4076-805F-52DA-2398D72F6FB6}"/>
+                <a16:creationId xmlns="" xmlns:a16="http://schemas.microsoft.com/office/drawing/2014/main" id="{06EE4526-4076-805F-52DA-2398D72F6FB6}"/>
               </a:ext>
             </a:extLst>
           </p:cNvPr>
@@ -6795,10 +6819,10 @@
           <p:cNvPr id="17" name="Rectangle 16">
             <a:extLst>
               <a:ext uri="{FF2B5EF4-FFF2-40B4-BE49-F238E27FC236}">
-                <a16:creationId xmlns:a16="http://schemas.microsoft.com/office/drawing/2014/main" xmlns="" id="{E6995CE5-F890-4ABA-82A2-26507CE8D2A3}"/>
+                <a16:creationId xmlns="" xmlns:a16="http://schemas.microsoft.com/office/drawing/2014/main" id="{E6995CE5-F890-4ABA-82A2-26507CE8D2A3}"/>
               </a:ext>
               <a:ext uri="{C183D7F6-B498-43B3-948B-1728B52AA6E4}">
-                <adec:decorative xmlns:adec="http://schemas.microsoft.com/office/drawing/2017/decorative" xmlns="" val="1"/>
+                <adec:decorative xmlns="" xmlns:adec="http://schemas.microsoft.com/office/drawing/2017/decorative" val="1"/>
               </a:ext>
             </a:extLst>
           </p:cNvPr>
@@ -6808,7 +6832,7 @@
           <p:nvPr>
             <p:extLst>
               <p:ext uri="{386F3935-93C4-4BCD-93E2-E3B085C9AB24}">
-                <p16:designElem xmlns:p16="http://schemas.microsoft.com/office/powerpoint/2015/main" xmlns="" val="1"/>
+                <p16:designElem xmlns="" xmlns:p16="http://schemas.microsoft.com/office/powerpoint/2015/main" val="1"/>
               </p:ext>
             </p:extLst>
           </p:nvPr>
@@ -6858,7 +6882,7 @@
           <p:cNvPr id="14" name="Picture 13">
             <a:extLst>
               <a:ext uri="{FF2B5EF4-FFF2-40B4-BE49-F238E27FC236}">
-                <a16:creationId xmlns:a16="http://schemas.microsoft.com/office/drawing/2014/main" xmlns="" id="{FE9E4F42-F26A-8C35-D358-6580BF190B43}"/>
+                <a16:creationId xmlns="" xmlns:a16="http://schemas.microsoft.com/office/drawing/2014/main" id="{FE9E4F42-F26A-8C35-D358-6580BF190B43}"/>
               </a:ext>
             </a:extLst>
           </p:cNvPr>
@@ -6888,7 +6912,7 @@
           <p:cNvPr id="16" name="TextBox 15">
             <a:extLst>
               <a:ext uri="{FF2B5EF4-FFF2-40B4-BE49-F238E27FC236}">
-                <a16:creationId xmlns:a16="http://schemas.microsoft.com/office/drawing/2014/main" xmlns="" id="{F40A69E7-5826-FD39-8E78-F6D7AE20CF86}"/>
+                <a16:creationId xmlns="" xmlns:a16="http://schemas.microsoft.com/office/drawing/2014/main" id="{F40A69E7-5826-FD39-8E78-F6D7AE20CF86}"/>
               </a:ext>
             </a:extLst>
           </p:cNvPr>
@@ -6923,7 +6947,7 @@
           <p:cNvPr id="18" name="TextBox 17">
             <a:extLst>
               <a:ext uri="{FF2B5EF4-FFF2-40B4-BE49-F238E27FC236}">
-                <a16:creationId xmlns:a16="http://schemas.microsoft.com/office/drawing/2014/main" xmlns="" id="{9F96B387-9595-6B7F-DD07-10A8A6AFD85C}"/>
+                <a16:creationId xmlns="" xmlns:a16="http://schemas.microsoft.com/office/drawing/2014/main" id="{9F96B387-9595-6B7F-DD07-10A8A6AFD85C}"/>
               </a:ext>
             </a:extLst>
           </p:cNvPr>
@@ -6963,6 +6987,13 @@
   <p:clrMapOvr>
     <a:masterClrMapping/>
   </p:clrMapOvr>
+  <p:timing>
+    <p:tnLst>
+      <p:par>
+        <p:cTn id="1" dur="indefinite" restart="never" nodeType="tmRoot"/>
+      </p:par>
+    </p:tnLst>
+  </p:timing>
 </p:sld>
 </file>
 
@@ -7275,7 +7306,7 @@
   <a:extraClrSchemeLst/>
   <a:extLst>
     <a:ext uri="{05A4C25C-085E-4340-85A3-A5531E510DB2}">
-      <thm15:themeFamily xmlns:thm15="http://schemas.microsoft.com/office/thememl/2012/main" xmlns="" name="Office Theme" id="{2E142A2C-CD16-42D6-873A-C26D2A0506FA}" vid="{1BDDFF52-6CD6-40A5-AB3C-68EB2F1E4D0A}"/>
+      <thm15:themeFamily xmlns="" xmlns:thm15="http://schemas.microsoft.com/office/thememl/2012/main" name="Office Theme" id="{2E142A2C-CD16-42D6-873A-C26D2A0506FA}" vid="{1BDDFF52-6CD6-40A5-AB3C-68EB2F1E4D0A}"/>
     </a:ext>
   </a:extLst>
 </a:theme>
